--- a/ssn/SOSA-SSN ontologies v6.pptx
+++ b/ssn/SOSA-SSN ontologies v6.pptx
@@ -998,7 +998,7 @@
           <a:p>
             <a:fld id="{43BEE76C-8E93-5249-B4DD-B04ABF59FFD2}" type="datetimeFigureOut">
               <a:rPr lang="es-ES_tradnl" smtClean="0"/>
-              <a:t>19/6/17</a:t>
+              <a:t>21/7/17</a:t>
             </a:fld>
             <a:endParaRPr lang="es-ES_tradnl"/>
           </a:p>
@@ -1163,7 +1163,7 @@
           <a:p>
             <a:fld id="{43BEE76C-8E93-5249-B4DD-B04ABF59FFD2}" type="datetimeFigureOut">
               <a:rPr lang="es-ES_tradnl" smtClean="0"/>
-              <a:t>19/6/17</a:t>
+              <a:t>21/7/17</a:t>
             </a:fld>
             <a:endParaRPr lang="es-ES_tradnl"/>
           </a:p>
@@ -1339,7 +1339,7 @@
           <a:p>
             <a:fld id="{43BEE76C-8E93-5249-B4DD-B04ABF59FFD2}" type="datetimeFigureOut">
               <a:rPr lang="es-ES_tradnl" smtClean="0"/>
-              <a:t>19/6/17</a:t>
+              <a:t>21/7/17</a:t>
             </a:fld>
             <a:endParaRPr lang="es-ES_tradnl"/>
           </a:p>
@@ -1665,7 +1665,7 @@
           <a:p>
             <a:fld id="{43BEE76C-8E93-5249-B4DD-B04ABF59FFD2}" type="datetimeFigureOut">
               <a:rPr lang="es-ES_tradnl" smtClean="0"/>
-              <a:t>19/6/17</a:t>
+              <a:t>21/7/17</a:t>
             </a:fld>
             <a:endParaRPr lang="es-ES_tradnl"/>
           </a:p>
@@ -1907,7 +1907,7 @@
           <a:p>
             <a:fld id="{43BEE76C-8E93-5249-B4DD-B04ABF59FFD2}" type="datetimeFigureOut">
               <a:rPr lang="es-ES_tradnl" smtClean="0"/>
-              <a:t>19/6/17</a:t>
+              <a:t>21/7/17</a:t>
             </a:fld>
             <a:endParaRPr lang="es-ES_tradnl"/>
           </a:p>
@@ -2135,7 +2135,7 @@
           <a:p>
             <a:fld id="{43BEE76C-8E93-5249-B4DD-B04ABF59FFD2}" type="datetimeFigureOut">
               <a:rPr lang="es-ES_tradnl" smtClean="0"/>
-              <a:t>19/6/17</a:t>
+              <a:t>21/7/17</a:t>
             </a:fld>
             <a:endParaRPr lang="es-ES_tradnl"/>
           </a:p>
@@ -2498,7 +2498,7 @@
           <a:p>
             <a:fld id="{43BEE76C-8E93-5249-B4DD-B04ABF59FFD2}" type="datetimeFigureOut">
               <a:rPr lang="es-ES_tradnl" smtClean="0"/>
-              <a:t>19/6/17</a:t>
+              <a:t>21/7/17</a:t>
             </a:fld>
             <a:endParaRPr lang="es-ES_tradnl"/>
           </a:p>
@@ -2612,7 +2612,7 @@
           <a:p>
             <a:fld id="{43BEE76C-8E93-5249-B4DD-B04ABF59FFD2}" type="datetimeFigureOut">
               <a:rPr lang="es-ES_tradnl" smtClean="0"/>
-              <a:t>19/6/17</a:t>
+              <a:t>21/7/17</a:t>
             </a:fld>
             <a:endParaRPr lang="es-ES_tradnl"/>
           </a:p>
@@ -2704,7 +2704,7 @@
           <a:p>
             <a:fld id="{43BEE76C-8E93-5249-B4DD-B04ABF59FFD2}" type="datetimeFigureOut">
               <a:rPr lang="es-ES_tradnl" smtClean="0"/>
-              <a:t>19/6/17</a:t>
+              <a:t>21/7/17</a:t>
             </a:fld>
             <a:endParaRPr lang="es-ES_tradnl"/>
           </a:p>
@@ -2977,7 +2977,7 @@
           <a:p>
             <a:fld id="{43BEE76C-8E93-5249-B4DD-B04ABF59FFD2}" type="datetimeFigureOut">
               <a:rPr lang="es-ES_tradnl" smtClean="0"/>
-              <a:t>19/6/17</a:t>
+              <a:t>21/7/17</a:t>
             </a:fld>
             <a:endParaRPr lang="es-ES_tradnl"/>
           </a:p>
@@ -3226,7 +3226,7 @@
           <a:p>
             <a:fld id="{43BEE76C-8E93-5249-B4DD-B04ABF59FFD2}" type="datetimeFigureOut">
               <a:rPr lang="es-ES_tradnl" smtClean="0"/>
-              <a:t>19/6/17</a:t>
+              <a:t>21/7/17</a:t>
             </a:fld>
             <a:endParaRPr lang="es-ES_tradnl"/>
           </a:p>
@@ -3402,7 +3402,7 @@
           <a:p>
             <a:fld id="{43BEE76C-8E93-5249-B4DD-B04ABF59FFD2}" type="datetimeFigureOut">
               <a:rPr lang="es-ES_tradnl" smtClean="0"/>
-              <a:t>19/6/17</a:t>
+              <a:t>21/7/17</a:t>
             </a:fld>
             <a:endParaRPr lang="es-ES_tradnl"/>
           </a:p>
@@ -4156,7 +4156,6 @@
               <a:rPr lang="en-GB" sz="2000" noProof="0" dirty="0" smtClean="0"/>
               <a:t> </a:t>
             </a:r>
-            <a:endParaRPr lang="en-GB" sz="2000" noProof="0" dirty="0" smtClean="0"/>
           </a:p>
           <a:p>
             <a:endParaRPr lang="en-GB" sz="1400" noProof="0" dirty="0" smtClean="0"/>
@@ -6364,15 +6363,15 @@
         <p:nvCxnSpPr>
           <p:cNvPr id="83" name="Conector curvado 82"/>
           <p:cNvCxnSpPr>
-            <a:stCxn id="68" idx="3"/>
+            <a:stCxn id="178" idx="3"/>
             <a:endCxn id="155" idx="1"/>
           </p:cNvCxnSpPr>
           <p:nvPr/>
         </p:nvCxnSpPr>
         <p:spPr>
           <a:xfrm flipV="1">
-            <a:off x="4275341" y="3889848"/>
-            <a:ext cx="2553450" cy="2241"/>
+            <a:off x="3757526" y="3889848"/>
+            <a:ext cx="3071265" cy="1169748"/>
           </a:xfrm>
           <a:prstGeom prst="curvedConnector3">
             <a:avLst>
@@ -6931,111 +6930,6 @@
       </p:sp>
       <p:cxnSp>
         <p:nvCxnSpPr>
-          <p:cNvPr id="189" name="Conector curvado 188"/>
-          <p:cNvCxnSpPr>
-            <a:stCxn id="178" idx="3"/>
-            <a:endCxn id="155" idx="2"/>
-          </p:cNvCxnSpPr>
-          <p:nvPr/>
-        </p:nvCxnSpPr>
-        <p:spPr>
-          <a:xfrm flipV="1">
-            <a:off x="3757526" y="4026055"/>
-            <a:ext cx="3717679" cy="1033541"/>
-          </a:xfrm>
-          <a:prstGeom prst="curvedConnector2">
-            <a:avLst/>
-          </a:prstGeom>
-          <a:ln w="9525" cap="flat" cmpd="sng" algn="ctr">
-            <a:solidFill>
-              <a:srgbClr val="0070C0"/>
-            </a:solidFill>
-            <a:prstDash val="dash"/>
-            <a:round/>
-            <a:headEnd type="none" w="med" len="med"/>
-            <a:tailEnd type="triangle" w="med" len="med"/>
-          </a:ln>
-        </p:spPr>
-        <p:style>
-          <a:lnRef idx="1">
-            <a:schemeClr val="accent1"/>
-          </a:lnRef>
-          <a:fillRef idx="0">
-            <a:schemeClr val="accent1"/>
-          </a:fillRef>
-          <a:effectRef idx="0">
-            <a:schemeClr val="accent1"/>
-          </a:effectRef>
-          <a:fontRef idx="minor">
-            <a:schemeClr val="tx1"/>
-          </a:fontRef>
-        </p:style>
-      </p:cxnSp>
-      <p:sp>
-        <p:nvSpPr>
-          <p:cNvPr id="190" name="Rectángulo 189"/>
-          <p:cNvSpPr/>
-          <p:nvPr/>
-        </p:nvSpPr>
-        <p:spPr>
-          <a:xfrm>
-            <a:off x="7178837" y="4272496"/>
-            <a:ext cx="1018227" cy="369332"/>
-          </a:xfrm>
-          <a:prstGeom prst="rect">
-            <a:avLst/>
-          </a:prstGeom>
-        </p:spPr>
-        <p:txBody>
-          <a:bodyPr wrap="none">
-            <a:spAutoFit/>
-          </a:bodyPr>
-          <a:lstStyle/>
-          <a:p>
-            <a:pPr algn="l"/>
-            <a:r>
-              <a:rPr lang="en-GB" sz="900" dirty="0" err="1" smtClean="0">
-                <a:solidFill>
-                  <a:srgbClr val="00B050"/>
-                </a:solidFill>
-                <a:latin typeface="Arial"/>
-                <a:cs typeface="Arial"/>
-              </a:rPr>
-              <a:t>actsOnProperty</a:t>
-            </a:r>
-            <a:r>
-              <a:rPr lang="en-GB" sz="900" dirty="0" smtClean="0">
-                <a:solidFill>
-                  <a:srgbClr val="00B050"/>
-                </a:solidFill>
-                <a:latin typeface="Arial"/>
-                <a:cs typeface="Arial"/>
-              </a:rPr>
-              <a:t> </a:t>
-            </a:r>
-          </a:p>
-          <a:p>
-            <a:pPr algn="l"/>
-            <a:r>
-              <a:rPr lang="en-GB" sz="900" dirty="0" smtClean="0">
-                <a:solidFill>
-                  <a:srgbClr val="0070C0"/>
-                </a:solidFill>
-                <a:latin typeface="Arial"/>
-                <a:cs typeface="Arial"/>
-              </a:rPr>
-              <a:t>only</a:t>
-            </a:r>
-            <a:endParaRPr lang="en-GB" sz="900" dirty="0">
-              <a:solidFill>
-                <a:srgbClr val="0070C0"/>
-              </a:solidFill>
-            </a:endParaRPr>
-          </a:p>
-        </p:txBody>
-      </p:sp>
-      <p:cxnSp>
-        <p:nvCxnSpPr>
           <p:cNvPr id="196" name="Conector curvado 195"/>
           <p:cNvCxnSpPr>
             <a:stCxn id="178" idx="0"/>
@@ -7524,66 +7418,6 @@
           </a:p>
           <a:p>
             <a:pPr algn="l"/>
-            <a:r>
-              <a:rPr lang="en-GB" sz="900" dirty="0" smtClean="0">
-                <a:solidFill>
-                  <a:srgbClr val="0070C0"/>
-                </a:solidFill>
-                <a:latin typeface="Arial"/>
-                <a:cs typeface="Arial"/>
-              </a:rPr>
-              <a:t>only</a:t>
-            </a:r>
-            <a:endParaRPr lang="en-GB" sz="900" dirty="0">
-              <a:solidFill>
-                <a:srgbClr val="0070C0"/>
-              </a:solidFill>
-            </a:endParaRPr>
-          </a:p>
-        </p:txBody>
-      </p:sp>
-      <p:sp>
-        <p:nvSpPr>
-          <p:cNvPr id="100" name="Rectángulo 99"/>
-          <p:cNvSpPr/>
-          <p:nvPr/>
-        </p:nvSpPr>
-        <p:spPr>
-          <a:xfrm>
-            <a:off x="4253671" y="3625314"/>
-            <a:ext cx="1095172" cy="230832"/>
-          </a:xfrm>
-          <a:prstGeom prst="rect">
-            <a:avLst/>
-          </a:prstGeom>
-        </p:spPr>
-        <p:txBody>
-          <a:bodyPr wrap="none">
-            <a:spAutoFit/>
-          </a:bodyPr>
-          <a:lstStyle/>
-          <a:p>
-            <a:pPr algn="l"/>
-            <a:r>
-              <a:rPr lang="en-GB" sz="900" dirty="0" err="1" smtClean="0">
-                <a:solidFill>
-                  <a:srgbClr val="00B050"/>
-                </a:solidFill>
-                <a:latin typeface="Arial"/>
-                <a:cs typeface="Arial"/>
-              </a:rPr>
-              <a:t>isActedOnBy</a:t>
-            </a:r>
-            <a:r>
-              <a:rPr lang="en-GB" sz="900" dirty="0" smtClean="0">
-                <a:solidFill>
-                  <a:srgbClr val="00B050"/>
-                </a:solidFill>
-                <a:latin typeface="Arial"/>
-                <a:cs typeface="Arial"/>
-              </a:rPr>
-              <a:t> </a:t>
-            </a:r>
             <a:r>
               <a:rPr lang="en-GB" sz="900" dirty="0" smtClean="0">
                 <a:solidFill>
@@ -8495,13 +8329,83 @@
       </p:sp>
       <p:sp>
         <p:nvSpPr>
-          <p:cNvPr id="57" name="Rectángulo 56"/>
-          <p:cNvSpPr/>
-          <p:nvPr/>
-        </p:nvSpPr>
-        <p:spPr>
-          <a:xfrm>
-            <a:off x="5626525" y="3650128"/>
+          <p:cNvPr id="58" name="Rectángulo 57"/>
+          <p:cNvSpPr/>
+          <p:nvPr/>
+        </p:nvSpPr>
+        <p:spPr>
+          <a:xfrm>
+            <a:off x="4298549" y="4537635"/>
+            <a:ext cx="883575" cy="369332"/>
+          </a:xfrm>
+          <a:prstGeom prst="rect">
+            <a:avLst/>
+          </a:prstGeom>
+        </p:spPr>
+        <p:txBody>
+          <a:bodyPr wrap="none">
+            <a:spAutoFit/>
+          </a:bodyPr>
+          <a:lstStyle/>
+          <a:p>
+            <a:pPr algn="l"/>
+            <a:r>
+              <a:rPr lang="en-GB" sz="900" dirty="0" err="1" smtClean="0">
+                <a:solidFill>
+                  <a:srgbClr val="00B050"/>
+                </a:solidFill>
+                <a:latin typeface="Arial"/>
+                <a:cs typeface="Arial"/>
+              </a:rPr>
+              <a:t>isActedOnBy</a:t>
+            </a:r>
+            <a:r>
+              <a:rPr lang="en-GB" sz="900" dirty="0" smtClean="0">
+                <a:solidFill>
+                  <a:srgbClr val="00B050"/>
+                </a:solidFill>
+                <a:latin typeface="Arial"/>
+                <a:cs typeface="Arial"/>
+              </a:rPr>
+              <a:t> </a:t>
+            </a:r>
+            <a:endParaRPr lang="en-GB" sz="900" dirty="0" smtClean="0">
+              <a:solidFill>
+                <a:srgbClr val="00B050"/>
+              </a:solidFill>
+              <a:latin typeface="Arial"/>
+              <a:cs typeface="Arial"/>
+            </a:endParaRPr>
+          </a:p>
+          <a:p>
+            <a:pPr algn="l"/>
+            <a:r>
+              <a:rPr lang="en-GB" sz="900" dirty="0" smtClean="0">
+                <a:solidFill>
+                  <a:srgbClr val="0070C0"/>
+                </a:solidFill>
+                <a:latin typeface="Arial"/>
+                <a:cs typeface="Arial"/>
+              </a:rPr>
+              <a:t>only</a:t>
+            </a:r>
+            <a:endParaRPr lang="en-GB" sz="900" dirty="0">
+              <a:solidFill>
+                <a:srgbClr val="0070C0"/>
+              </a:solidFill>
+            </a:endParaRPr>
+          </a:p>
+        </p:txBody>
+      </p:sp>
+      <p:sp>
+        <p:nvSpPr>
+          <p:cNvPr id="59" name="Rectángulo 58"/>
+          <p:cNvSpPr/>
+          <p:nvPr/>
+        </p:nvSpPr>
+        <p:spPr>
+          <a:xfrm>
+            <a:off x="5830852" y="3981168"/>
             <a:ext cx="1229824" cy="230832"/>
           </a:xfrm>
           <a:prstGeom prst="rect">
@@ -8543,6 +8447,95 @@
                 <a:cs typeface="Arial"/>
               </a:rPr>
               <a:t>only</a:t>
+            </a:r>
+            <a:endParaRPr lang="en-GB" sz="900" dirty="0">
+              <a:solidFill>
+                <a:srgbClr val="0070C0"/>
+              </a:solidFill>
+            </a:endParaRPr>
+          </a:p>
+        </p:txBody>
+      </p:sp>
+      <p:cxnSp>
+        <p:nvCxnSpPr>
+          <p:cNvPr id="60" name="Conector curvado 100"/>
+          <p:cNvCxnSpPr/>
+          <p:nvPr/>
+        </p:nvCxnSpPr>
+        <p:spPr>
+          <a:xfrm flipV="1">
+            <a:off x="4275341" y="3889849"/>
+            <a:ext cx="2526018" cy="2240"/>
+          </a:xfrm>
+          <a:prstGeom prst="straightConnector1">
+            <a:avLst/>
+          </a:prstGeom>
+          <a:ln w="9525" cap="flat" cmpd="sng" algn="ctr">
+            <a:solidFill>
+              <a:srgbClr val="0070C0"/>
+            </a:solidFill>
+            <a:prstDash val="dash"/>
+            <a:round/>
+            <a:headEnd type="none" w="med" len="med"/>
+            <a:tailEnd type="triangle" w="med" len="med"/>
+          </a:ln>
+        </p:spPr>
+        <p:style>
+          <a:lnRef idx="1">
+            <a:schemeClr val="accent1"/>
+          </a:lnRef>
+          <a:fillRef idx="0">
+            <a:schemeClr val="accent1"/>
+          </a:fillRef>
+          <a:effectRef idx="0">
+            <a:schemeClr val="accent1"/>
+          </a:effectRef>
+          <a:fontRef idx="minor">
+            <a:schemeClr val="tx1"/>
+          </a:fontRef>
+        </p:style>
+      </p:cxnSp>
+      <p:sp>
+        <p:nvSpPr>
+          <p:cNvPr id="61" name="Rectángulo 60"/>
+          <p:cNvSpPr/>
+          <p:nvPr/>
+        </p:nvSpPr>
+        <p:spPr>
+          <a:xfrm>
+            <a:off x="5849081" y="3630692"/>
+            <a:ext cx="998991" cy="230832"/>
+          </a:xfrm>
+          <a:prstGeom prst="rect">
+            <a:avLst/>
+          </a:prstGeom>
+        </p:spPr>
+        <p:txBody>
+          <a:bodyPr wrap="none">
+            <a:spAutoFit/>
+          </a:bodyPr>
+          <a:lstStyle/>
+          <a:p>
+            <a:pPr algn="l"/>
+            <a:r>
+              <a:rPr lang="en-GB" sz="900" dirty="0" err="1" smtClean="0">
+                <a:solidFill>
+                  <a:srgbClr val="0070C0"/>
+                </a:solidFill>
+                <a:latin typeface="Arial"/>
+                <a:cs typeface="Arial"/>
+              </a:rPr>
+              <a:t>forProperty</a:t>
+            </a:r>
+            <a:r>
+              <a:rPr lang="en-GB" sz="900" dirty="0" smtClean="0">
+                <a:solidFill>
+                  <a:srgbClr val="0070C0"/>
+                </a:solidFill>
+                <a:latin typeface="Arial"/>
+                <a:cs typeface="Arial"/>
+              </a:rPr>
+              <a:t> only</a:t>
             </a:r>
             <a:endParaRPr lang="en-GB" sz="900" dirty="0">
               <a:solidFill>
@@ -8822,15 +8815,15 @@
         <p:nvCxnSpPr>
           <p:cNvPr id="83" name="Conector curvado 82"/>
           <p:cNvCxnSpPr>
-            <a:stCxn id="68" idx="3"/>
+            <a:stCxn id="178" idx="3"/>
             <a:endCxn id="155" idx="1"/>
           </p:cNvCxnSpPr>
           <p:nvPr/>
         </p:nvCxnSpPr>
         <p:spPr>
           <a:xfrm flipV="1">
-            <a:off x="4275341" y="3889848"/>
-            <a:ext cx="2553450" cy="2241"/>
+            <a:off x="3757526" y="3889848"/>
+            <a:ext cx="3071265" cy="1169748"/>
           </a:xfrm>
           <a:prstGeom prst="curvedConnector3">
             <a:avLst>
@@ -9055,101 +9048,6 @@
       </p:sp>
       <p:cxnSp>
         <p:nvCxnSpPr>
-          <p:cNvPr id="189" name="Conector curvado 188"/>
-          <p:cNvCxnSpPr>
-            <a:stCxn id="178" idx="3"/>
-            <a:endCxn id="155" idx="2"/>
-          </p:cNvCxnSpPr>
-          <p:nvPr/>
-        </p:nvCxnSpPr>
-        <p:spPr>
-          <a:xfrm flipV="1">
-            <a:off x="3757526" y="4026055"/>
-            <a:ext cx="3717679" cy="1033541"/>
-          </a:xfrm>
-          <a:prstGeom prst="curvedConnector2">
-            <a:avLst/>
-          </a:prstGeom>
-          <a:ln w="9525" cap="flat" cmpd="sng" algn="ctr">
-            <a:solidFill>
-              <a:srgbClr val="00B050"/>
-            </a:solidFill>
-            <a:prstDash val="dash"/>
-            <a:round/>
-            <a:headEnd type="none" w="med" len="med"/>
-            <a:tailEnd type="triangle" w="med" len="med"/>
-          </a:ln>
-        </p:spPr>
-        <p:style>
-          <a:lnRef idx="1">
-            <a:schemeClr val="accent1"/>
-          </a:lnRef>
-          <a:fillRef idx="0">
-            <a:schemeClr val="accent1"/>
-          </a:fillRef>
-          <a:effectRef idx="0">
-            <a:schemeClr val="accent1"/>
-          </a:effectRef>
-          <a:fontRef idx="minor">
-            <a:schemeClr val="tx1"/>
-          </a:fontRef>
-        </p:style>
-      </p:cxnSp>
-      <p:sp>
-        <p:nvSpPr>
-          <p:cNvPr id="190" name="Rectángulo 189"/>
-          <p:cNvSpPr/>
-          <p:nvPr/>
-        </p:nvSpPr>
-        <p:spPr>
-          <a:xfrm>
-            <a:off x="7178837" y="4272496"/>
-            <a:ext cx="1018227" cy="369332"/>
-          </a:xfrm>
-          <a:prstGeom prst="rect">
-            <a:avLst/>
-          </a:prstGeom>
-        </p:spPr>
-        <p:txBody>
-          <a:bodyPr wrap="none">
-            <a:spAutoFit/>
-          </a:bodyPr>
-          <a:lstStyle/>
-          <a:p>
-            <a:pPr algn="l"/>
-            <a:r>
-              <a:rPr lang="en-GB" sz="900" dirty="0" err="1" smtClean="0">
-                <a:solidFill>
-                  <a:srgbClr val="00B050"/>
-                </a:solidFill>
-                <a:latin typeface="Arial"/>
-                <a:cs typeface="Arial"/>
-              </a:rPr>
-              <a:t>actsOnProperty</a:t>
-            </a:r>
-            <a:r>
-              <a:rPr lang="en-GB" sz="900" dirty="0" smtClean="0">
-                <a:solidFill>
-                  <a:srgbClr val="00B050"/>
-                </a:solidFill>
-                <a:latin typeface="Arial"/>
-                <a:cs typeface="Arial"/>
-              </a:rPr>
-              <a:t> </a:t>
-            </a:r>
-          </a:p>
-          <a:p>
-            <a:pPr algn="l"/>
-            <a:endParaRPr lang="en-GB" sz="900" dirty="0">
-              <a:solidFill>
-                <a:srgbClr val="0070C0"/>
-              </a:solidFill>
-            </a:endParaRPr>
-          </a:p>
-        </p:txBody>
-      </p:sp>
-      <p:cxnSp>
-        <p:nvCxnSpPr>
           <p:cNvPr id="196" name="Conector curvado 195"/>
           <p:cNvCxnSpPr>
             <a:stCxn id="178" idx="0"/>
@@ -9591,7 +9489,7 @@
         </p:nvSpPr>
         <p:spPr>
           <a:xfrm>
-            <a:off x="3374387" y="4652134"/>
+            <a:off x="3407480" y="4532698"/>
             <a:ext cx="986167" cy="230832"/>
           </a:xfrm>
           <a:prstGeom prst="rect">
@@ -9625,46 +9523,6 @@
               </a:rPr>
               <a:t> </a:t>
             </a:r>
-          </a:p>
-        </p:txBody>
-      </p:sp>
-      <p:sp>
-        <p:nvSpPr>
-          <p:cNvPr id="100" name="Rectángulo 99"/>
-          <p:cNvSpPr/>
-          <p:nvPr/>
-        </p:nvSpPr>
-        <p:spPr>
-          <a:xfrm>
-            <a:off x="4253671" y="3625314"/>
-            <a:ext cx="851515" cy="230832"/>
-          </a:xfrm>
-          <a:prstGeom prst="rect">
-            <a:avLst/>
-          </a:prstGeom>
-        </p:spPr>
-        <p:txBody>
-          <a:bodyPr wrap="none">
-            <a:spAutoFit/>
-          </a:bodyPr>
-          <a:lstStyle/>
-          <a:p>
-            <a:pPr algn="l"/>
-            <a:r>
-              <a:rPr lang="en-GB" sz="900" dirty="0" err="1" smtClean="0">
-                <a:solidFill>
-                  <a:srgbClr val="00B050"/>
-                </a:solidFill>
-                <a:latin typeface="Arial"/>
-                <a:cs typeface="Arial"/>
-              </a:rPr>
-              <a:t>isActedOnBy</a:t>
-            </a:r>
-            <a:endParaRPr lang="en-GB" sz="900" dirty="0">
-              <a:solidFill>
-                <a:srgbClr val="0070C0"/>
-              </a:solidFill>
-            </a:endParaRPr>
           </a:p>
         </p:txBody>
       </p:sp>
@@ -10114,13 +9972,53 @@
       </p:sp>
       <p:sp>
         <p:nvSpPr>
-          <p:cNvPr id="45" name="Rectángulo 44"/>
-          <p:cNvSpPr/>
-          <p:nvPr/>
-        </p:nvSpPr>
-        <p:spPr>
-          <a:xfrm>
-            <a:off x="5874473" y="3650128"/>
+          <p:cNvPr id="46" name="Rectángulo 45"/>
+          <p:cNvSpPr/>
+          <p:nvPr/>
+        </p:nvSpPr>
+        <p:spPr>
+          <a:xfrm>
+            <a:off x="4299921" y="4536909"/>
+            <a:ext cx="851515" cy="230832"/>
+          </a:xfrm>
+          <a:prstGeom prst="rect">
+            <a:avLst/>
+          </a:prstGeom>
+        </p:spPr>
+        <p:txBody>
+          <a:bodyPr wrap="none">
+            <a:spAutoFit/>
+          </a:bodyPr>
+          <a:lstStyle/>
+          <a:p>
+            <a:pPr algn="l"/>
+            <a:r>
+              <a:rPr lang="en-GB" sz="900" dirty="0" err="1" smtClean="0">
+                <a:solidFill>
+                  <a:srgbClr val="00B050"/>
+                </a:solidFill>
+                <a:latin typeface="Arial"/>
+                <a:cs typeface="Arial"/>
+              </a:rPr>
+              <a:t>isActedOnBy</a:t>
+            </a:r>
+            <a:endParaRPr lang="en-GB" sz="900" dirty="0">
+              <a:solidFill>
+                <a:srgbClr val="0070C0"/>
+              </a:solidFill>
+            </a:endParaRPr>
+          </a:p>
+        </p:txBody>
+      </p:sp>
+      <p:sp>
+        <p:nvSpPr>
+          <p:cNvPr id="47" name="Rectángulo 46"/>
+          <p:cNvSpPr/>
+          <p:nvPr/>
+        </p:nvSpPr>
+        <p:spPr>
+          <a:xfrm>
+            <a:off x="5952680" y="3981168"/>
             <a:ext cx="986167" cy="230832"/>
           </a:xfrm>
           <a:prstGeom prst="rect">
@@ -10134,7 +10032,7 @@
           <a:lstStyle/>
           <a:p>
             <a:r>
-              <a:rPr lang="en-GB" sz="900" smtClean="0">
+              <a:rPr lang="en-GB" sz="900" dirty="0" err="1" smtClean="0">
                 <a:solidFill>
                   <a:srgbClr val="00B050"/>
                 </a:solidFill>
@@ -29740,15 +29638,15 @@
         <p:nvCxnSpPr>
           <p:cNvPr id="83" name="Conector curvado 82"/>
           <p:cNvCxnSpPr>
-            <a:stCxn id="68" idx="3"/>
+            <a:stCxn id="178" idx="3"/>
             <a:endCxn id="155" idx="1"/>
           </p:cNvCxnSpPr>
           <p:nvPr/>
         </p:nvCxnSpPr>
         <p:spPr>
           <a:xfrm flipV="1">
-            <a:off x="4275341" y="3889848"/>
-            <a:ext cx="2526018" cy="2241"/>
+            <a:off x="3757526" y="3889848"/>
+            <a:ext cx="3043833" cy="1169748"/>
           </a:xfrm>
           <a:prstGeom prst="curvedConnector3">
             <a:avLst>
@@ -29983,101 +29881,6 @@
       </p:cxnSp>
       <p:cxnSp>
         <p:nvCxnSpPr>
-          <p:cNvPr id="189" name="Conector curvado 188"/>
-          <p:cNvCxnSpPr>
-            <a:stCxn id="178" idx="3"/>
-            <a:endCxn id="155" idx="2"/>
-          </p:cNvCxnSpPr>
-          <p:nvPr/>
-        </p:nvCxnSpPr>
-        <p:spPr>
-          <a:xfrm flipV="1">
-            <a:off x="3757526" y="4026055"/>
-            <a:ext cx="3690247" cy="1033541"/>
-          </a:xfrm>
-          <a:prstGeom prst="curvedConnector2">
-            <a:avLst/>
-          </a:prstGeom>
-          <a:ln w="9525" cap="flat" cmpd="sng" algn="ctr">
-            <a:solidFill>
-              <a:srgbClr val="00B050"/>
-            </a:solidFill>
-            <a:prstDash val="dash"/>
-            <a:round/>
-            <a:headEnd type="none" w="med" len="med"/>
-            <a:tailEnd type="triangle" w="med" len="med"/>
-          </a:ln>
-        </p:spPr>
-        <p:style>
-          <a:lnRef idx="1">
-            <a:schemeClr val="accent1"/>
-          </a:lnRef>
-          <a:fillRef idx="0">
-            <a:schemeClr val="accent1"/>
-          </a:fillRef>
-          <a:effectRef idx="0">
-            <a:schemeClr val="accent1"/>
-          </a:effectRef>
-          <a:fontRef idx="minor">
-            <a:schemeClr val="tx1"/>
-          </a:fontRef>
-        </p:style>
-      </p:cxnSp>
-      <p:sp>
-        <p:nvSpPr>
-          <p:cNvPr id="190" name="Rectángulo 189"/>
-          <p:cNvSpPr/>
-          <p:nvPr/>
-        </p:nvSpPr>
-        <p:spPr>
-          <a:xfrm>
-            <a:off x="7274420" y="4193339"/>
-            <a:ext cx="1018227" cy="369332"/>
-          </a:xfrm>
-          <a:prstGeom prst="rect">
-            <a:avLst/>
-          </a:prstGeom>
-        </p:spPr>
-        <p:txBody>
-          <a:bodyPr wrap="none">
-            <a:spAutoFit/>
-          </a:bodyPr>
-          <a:lstStyle/>
-          <a:p>
-            <a:pPr algn="l"/>
-            <a:r>
-              <a:rPr lang="en-GB" sz="900" dirty="0" err="1" smtClean="0">
-                <a:solidFill>
-                  <a:srgbClr val="00B050"/>
-                </a:solidFill>
-                <a:latin typeface="Arial"/>
-                <a:cs typeface="Arial"/>
-              </a:rPr>
-              <a:t>actsOnProperty</a:t>
-            </a:r>
-            <a:r>
-              <a:rPr lang="en-GB" sz="900" dirty="0" smtClean="0">
-                <a:solidFill>
-                  <a:srgbClr val="00B050"/>
-                </a:solidFill>
-                <a:latin typeface="Arial"/>
-                <a:cs typeface="Arial"/>
-              </a:rPr>
-              <a:t> </a:t>
-            </a:r>
-          </a:p>
-          <a:p>
-            <a:pPr algn="l"/>
-            <a:endParaRPr lang="en-GB" sz="900" dirty="0">
-              <a:solidFill>
-                <a:srgbClr val="0070C0"/>
-              </a:solidFill>
-            </a:endParaRPr>
-          </a:p>
-        </p:txBody>
-      </p:sp>
-      <p:cxnSp>
-        <p:nvCxnSpPr>
           <p:cNvPr id="196" name="Conector curvado 195"/>
           <p:cNvCxnSpPr>
             <a:stCxn id="178" idx="0"/>
@@ -30566,52 +30369,13 @@
       </p:sp>
       <p:sp>
         <p:nvSpPr>
-          <p:cNvPr id="99" name="Rectángulo 98"/>
-          <p:cNvSpPr/>
-          <p:nvPr/>
-        </p:nvSpPr>
-        <p:spPr>
-          <a:xfrm>
-            <a:off x="5748353" y="3650128"/>
-            <a:ext cx="986167" cy="230832"/>
-          </a:xfrm>
-          <a:prstGeom prst="rect">
-            <a:avLst/>
-          </a:prstGeom>
-        </p:spPr>
-        <p:txBody>
-          <a:bodyPr wrap="none">
-            <a:spAutoFit/>
-          </a:bodyPr>
-          <a:lstStyle/>
-          <a:p>
-            <a:r>
-              <a:rPr lang="en-GB" sz="900" dirty="0" err="1" smtClean="0">
-                <a:solidFill>
-                  <a:srgbClr val="00B050"/>
-                </a:solidFill>
-                <a:latin typeface="Arial"/>
-                <a:cs typeface="Arial"/>
-              </a:rPr>
-              <a:t>actsOnProperty</a:t>
-            </a:r>
-            <a:endParaRPr lang="en-GB" sz="900" dirty="0">
-              <a:solidFill>
-                <a:srgbClr val="0070C0"/>
-              </a:solidFill>
-            </a:endParaRPr>
-          </a:p>
-        </p:txBody>
-      </p:sp>
-      <p:sp>
-        <p:nvSpPr>
           <p:cNvPr id="100" name="Rectángulo 99"/>
           <p:cNvSpPr/>
           <p:nvPr/>
         </p:nvSpPr>
         <p:spPr>
           <a:xfrm>
-            <a:off x="4253671" y="3625314"/>
+            <a:off x="4299921" y="4536909"/>
             <a:ext cx="851515" cy="230832"/>
           </a:xfrm>
           <a:prstGeom prst="rect">
@@ -31371,6 +31135,45 @@
                 <a:cs typeface="Arial"/>
               </a:rPr>
               <a:t>hasFeatureOfInterest</a:t>
+            </a:r>
+            <a:endParaRPr lang="en-GB" sz="900" dirty="0">
+              <a:solidFill>
+                <a:srgbClr val="0070C0"/>
+              </a:solidFill>
+            </a:endParaRPr>
+          </a:p>
+        </p:txBody>
+      </p:sp>
+      <p:sp>
+        <p:nvSpPr>
+          <p:cNvPr id="41" name="Rectángulo 40"/>
+          <p:cNvSpPr/>
+          <p:nvPr/>
+        </p:nvSpPr>
+        <p:spPr>
+          <a:xfrm>
+            <a:off x="5952680" y="3981168"/>
+            <a:ext cx="986167" cy="230832"/>
+          </a:xfrm>
+          <a:prstGeom prst="rect">
+            <a:avLst/>
+          </a:prstGeom>
+        </p:spPr>
+        <p:txBody>
+          <a:bodyPr wrap="none">
+            <a:spAutoFit/>
+          </a:bodyPr>
+          <a:lstStyle/>
+          <a:p>
+            <a:r>
+              <a:rPr lang="en-GB" sz="900" dirty="0" err="1" smtClean="0">
+                <a:solidFill>
+                  <a:srgbClr val="00B050"/>
+                </a:solidFill>
+                <a:latin typeface="Arial"/>
+                <a:cs typeface="Arial"/>
+              </a:rPr>
+              <a:t>actsOnProperty</a:t>
             </a:r>
             <a:endParaRPr lang="en-GB" sz="900" dirty="0">
               <a:solidFill>
@@ -32720,15 +32523,15 @@
         <p:nvCxnSpPr>
           <p:cNvPr id="83" name="Conector curvado 82"/>
           <p:cNvCxnSpPr>
-            <a:stCxn id="68" idx="3"/>
+            <a:stCxn id="178" idx="3"/>
             <a:endCxn id="155" idx="1"/>
           </p:cNvCxnSpPr>
           <p:nvPr/>
         </p:nvCxnSpPr>
         <p:spPr>
           <a:xfrm flipV="1">
-            <a:off x="4275341" y="3889848"/>
-            <a:ext cx="2526018" cy="2241"/>
+            <a:off x="3757526" y="3889848"/>
+            <a:ext cx="3043833" cy="1169748"/>
           </a:xfrm>
           <a:prstGeom prst="curvedConnector3">
             <a:avLst>
@@ -33494,111 +33297,6 @@
       </p:sp>
       <p:cxnSp>
         <p:nvCxnSpPr>
-          <p:cNvPr id="189" name="Conector curvado 188"/>
-          <p:cNvCxnSpPr>
-            <a:stCxn id="178" idx="3"/>
-            <a:endCxn id="155" idx="2"/>
-          </p:cNvCxnSpPr>
-          <p:nvPr/>
-        </p:nvCxnSpPr>
-        <p:spPr>
-          <a:xfrm flipV="1">
-            <a:off x="3757526" y="4026055"/>
-            <a:ext cx="3690247" cy="1033541"/>
-          </a:xfrm>
-          <a:prstGeom prst="curvedConnector2">
-            <a:avLst/>
-          </a:prstGeom>
-          <a:ln w="9525" cap="flat" cmpd="sng" algn="ctr">
-            <a:solidFill>
-              <a:srgbClr val="0070C0"/>
-            </a:solidFill>
-            <a:prstDash val="dash"/>
-            <a:round/>
-            <a:headEnd type="none" w="med" len="med"/>
-            <a:tailEnd type="triangle" w="med" len="med"/>
-          </a:ln>
-        </p:spPr>
-        <p:style>
-          <a:lnRef idx="1">
-            <a:schemeClr val="accent1"/>
-          </a:lnRef>
-          <a:fillRef idx="0">
-            <a:schemeClr val="accent1"/>
-          </a:fillRef>
-          <a:effectRef idx="0">
-            <a:schemeClr val="accent1"/>
-          </a:effectRef>
-          <a:fontRef idx="minor">
-            <a:schemeClr val="tx1"/>
-          </a:fontRef>
-        </p:style>
-      </p:cxnSp>
-      <p:sp>
-        <p:nvSpPr>
-          <p:cNvPr id="190" name="Rectángulo 189"/>
-          <p:cNvSpPr/>
-          <p:nvPr/>
-        </p:nvSpPr>
-        <p:spPr>
-          <a:xfrm>
-            <a:off x="7274420" y="4193339"/>
-            <a:ext cx="1018227" cy="369332"/>
-          </a:xfrm>
-          <a:prstGeom prst="rect">
-            <a:avLst/>
-          </a:prstGeom>
-        </p:spPr>
-        <p:txBody>
-          <a:bodyPr wrap="none">
-            <a:spAutoFit/>
-          </a:bodyPr>
-          <a:lstStyle/>
-          <a:p>
-            <a:pPr algn="l"/>
-            <a:r>
-              <a:rPr lang="en-GB" sz="900" dirty="0" err="1" smtClean="0">
-                <a:solidFill>
-                  <a:srgbClr val="00B050"/>
-                </a:solidFill>
-                <a:latin typeface="Arial"/>
-                <a:cs typeface="Arial"/>
-              </a:rPr>
-              <a:t>actsOnProperty</a:t>
-            </a:r>
-            <a:r>
-              <a:rPr lang="en-GB" sz="900" dirty="0" smtClean="0">
-                <a:solidFill>
-                  <a:srgbClr val="00B050"/>
-                </a:solidFill>
-                <a:latin typeface="Arial"/>
-                <a:cs typeface="Arial"/>
-              </a:rPr>
-              <a:t> </a:t>
-            </a:r>
-          </a:p>
-          <a:p>
-            <a:pPr algn="l"/>
-            <a:r>
-              <a:rPr lang="en-GB" sz="900" dirty="0" smtClean="0">
-                <a:solidFill>
-                  <a:srgbClr val="0070C0"/>
-                </a:solidFill>
-                <a:latin typeface="Arial"/>
-                <a:cs typeface="Arial"/>
-              </a:rPr>
-              <a:t>only</a:t>
-            </a:r>
-            <a:endParaRPr lang="en-GB" sz="900" dirty="0">
-              <a:solidFill>
-                <a:srgbClr val="0070C0"/>
-              </a:solidFill>
-            </a:endParaRPr>
-          </a:p>
-        </p:txBody>
-      </p:sp>
-      <p:cxnSp>
-        <p:nvCxnSpPr>
           <p:cNvPr id="191" name="Conector curvado 190"/>
           <p:cNvCxnSpPr>
             <a:stCxn id="201" idx="3"/>
@@ -34972,7 +34670,7 @@
         </p:nvSpPr>
         <p:spPr>
           <a:xfrm>
-            <a:off x="5626525" y="3650128"/>
+            <a:off x="5830852" y="3981168"/>
             <a:ext cx="1229824" cy="230832"/>
           </a:xfrm>
           <a:prstGeom prst="rect">
@@ -35031,8 +34729,8 @@
         </p:nvSpPr>
         <p:spPr>
           <a:xfrm>
-            <a:off x="4253671" y="3625314"/>
-            <a:ext cx="1095172" cy="230832"/>
+            <a:off x="4298549" y="4537635"/>
+            <a:ext cx="883575" cy="369332"/>
           </a:xfrm>
           <a:prstGeom prst="rect">
             <a:avLst/>
@@ -35065,6 +34763,16 @@
               </a:rPr>
               <a:t> </a:t>
             </a:r>
+            <a:endParaRPr lang="en-GB" sz="900" dirty="0" smtClean="0">
+              <a:solidFill>
+                <a:srgbClr val="00B050"/>
+              </a:solidFill>
+              <a:latin typeface="Arial"/>
+              <a:cs typeface="Arial"/>
+            </a:endParaRPr>
+          </a:p>
+          <a:p>
+            <a:pPr algn="l"/>
             <a:r>
               <a:rPr lang="en-GB" sz="900" dirty="0" smtClean="0">
                 <a:solidFill>
@@ -36175,6 +35883,97 @@
               </a:solidFill>
               <a:latin typeface="Arial"/>
               <a:cs typeface="Arial"/>
+            </a:endParaRPr>
+          </a:p>
+        </p:txBody>
+      </p:sp>
+      <p:cxnSp>
+        <p:nvCxnSpPr>
+          <p:cNvPr id="101" name="Conector curvado 100"/>
+          <p:cNvCxnSpPr>
+            <a:stCxn id="68" idx="3"/>
+          </p:cNvCxnSpPr>
+          <p:nvPr/>
+        </p:nvCxnSpPr>
+        <p:spPr>
+          <a:xfrm flipV="1">
+            <a:off x="4275341" y="3889849"/>
+            <a:ext cx="2526018" cy="2240"/>
+          </a:xfrm>
+          <a:prstGeom prst="straightConnector1">
+            <a:avLst/>
+          </a:prstGeom>
+          <a:ln w="9525" cap="flat" cmpd="sng" algn="ctr">
+            <a:solidFill>
+              <a:srgbClr val="0070C0"/>
+            </a:solidFill>
+            <a:prstDash val="dash"/>
+            <a:round/>
+            <a:headEnd type="none" w="med" len="med"/>
+            <a:tailEnd type="triangle" w="med" len="med"/>
+          </a:ln>
+        </p:spPr>
+        <p:style>
+          <a:lnRef idx="1">
+            <a:schemeClr val="accent1"/>
+          </a:lnRef>
+          <a:fillRef idx="0">
+            <a:schemeClr val="accent1"/>
+          </a:fillRef>
+          <a:effectRef idx="0">
+            <a:schemeClr val="accent1"/>
+          </a:effectRef>
+          <a:fontRef idx="minor">
+            <a:schemeClr val="tx1"/>
+          </a:fontRef>
+        </p:style>
+      </p:cxnSp>
+      <p:sp>
+        <p:nvSpPr>
+          <p:cNvPr id="102" name="Rectángulo 101"/>
+          <p:cNvSpPr/>
+          <p:nvPr/>
+        </p:nvSpPr>
+        <p:spPr>
+          <a:xfrm>
+            <a:off x="5849081" y="3630692"/>
+            <a:ext cx="998991" cy="230832"/>
+          </a:xfrm>
+          <a:prstGeom prst="rect">
+            <a:avLst/>
+          </a:prstGeom>
+        </p:spPr>
+        <p:txBody>
+          <a:bodyPr wrap="none">
+            <a:spAutoFit/>
+          </a:bodyPr>
+          <a:lstStyle/>
+          <a:p>
+            <a:pPr algn="l"/>
+            <a:r>
+              <a:rPr lang="en-GB" sz="900" dirty="0" err="1" smtClean="0">
+                <a:solidFill>
+                  <a:srgbClr val="0070C0"/>
+                </a:solidFill>
+                <a:latin typeface="Arial"/>
+                <a:cs typeface="Arial"/>
+              </a:rPr>
+              <a:t>forProperty</a:t>
+            </a:r>
+            <a:r>
+              <a:rPr lang="en-GB" sz="900" dirty="0" smtClean="0">
+                <a:solidFill>
+                  <a:srgbClr val="0070C0"/>
+                </a:solidFill>
+                <a:latin typeface="Arial"/>
+                <a:cs typeface="Arial"/>
+              </a:rPr>
+              <a:t> only</a:t>
+            </a:r>
+            <a:endParaRPr lang="en-GB" sz="900" dirty="0">
+              <a:solidFill>
+                <a:srgbClr val="0070C0"/>
+              </a:solidFill>
             </a:endParaRPr>
           </a:p>
         </p:txBody>
